--- a/Trabalho Final - Android - V.Final.pptx
+++ b/Trabalho Final - Android - V.Final.pptx
@@ -17192,38 +17192,9 @@
           </a:p>
         </p:txBody>
       </p:sp>
-      <p:pic>
-        <p:nvPicPr>
-          <p:cNvPr id="197" name="Google Shape;197;p25"/>
-          <p:cNvPicPr preferRelativeResize="0"/>
-          <p:nvPr>
-            <p:ph idx="1" type="body"/>
-          </p:nvPr>
-        </p:nvPicPr>
-        <p:blipFill rotWithShape="1">
-          <a:blip r:embed="rId3">
-            <a:alphaModFix/>
-          </a:blip>
-          <a:srcRect b="0" l="0" r="0" t="0"/>
-          <a:stretch/>
-        </p:blipFill>
-        <p:spPr>
-          <a:xfrm>
-            <a:off x="8399700" y="729300"/>
-            <a:ext cx="2947500" cy="5399400"/>
-          </a:xfrm>
-          <a:prstGeom prst="rect">
-            <a:avLst/>
-          </a:prstGeom>
-          <a:noFill/>
-          <a:ln>
-            <a:noFill/>
-          </a:ln>
-        </p:spPr>
-      </p:pic>
       <p:sp>
         <p:nvSpPr>
-          <p:cNvPr id="198" name="Google Shape;198;p25"/>
+          <p:cNvPr id="197" name="Google Shape;197;p25"/>
           <p:cNvSpPr txBox="1"/>
           <p:nvPr>
             <p:ph idx="1" type="body"/>
@@ -17319,25 +17290,36 @@
             </a:r>
             <a:endParaRPr/>
           </a:p>
-          <a:p>
-            <a:pPr indent="-285750" lvl="1" marL="742950" rtl="0" algn="just">
-              <a:spcBef>
-                <a:spcPts val="1000"/>
-              </a:spcBef>
-              <a:spcAft>
-                <a:spcPts val="0"/>
-              </a:spcAft>
-              <a:buSzPts val="1440"/>
-              <a:buChar char="➢"/>
-            </a:pPr>
-            <a:r>
-              <a:rPr lang="pt-BR"/>
-              <a:t>Wagner Rodrigues - RM: 331769</a:t>
-            </a:r>
-            <a:endParaRPr/>
-          </a:p>
         </p:txBody>
       </p:sp>
+      <p:pic>
+        <p:nvPicPr>
+          <p:cNvPr id="198" name="Google Shape;198;p25"/>
+          <p:cNvPicPr preferRelativeResize="0"/>
+          <p:nvPr/>
+        </p:nvPicPr>
+        <p:blipFill>
+          <a:blip r:embed="rId3">
+            <a:alphaModFix/>
+          </a:blip>
+          <a:stretch>
+            <a:fillRect/>
+          </a:stretch>
+        </p:blipFill>
+        <p:spPr>
+          <a:xfrm>
+            <a:off x="8540352" y="1111000"/>
+            <a:ext cx="2613199" cy="4636009"/>
+          </a:xfrm>
+          <a:prstGeom prst="rect">
+            <a:avLst/>
+          </a:prstGeom>
+          <a:noFill/>
+          <a:ln>
+            <a:noFill/>
+          </a:ln>
+        </p:spPr>
+      </p:pic>
     </p:spTree>
   </p:cSld>
   <p:clrMapOvr>

--- a/Trabalho Final - Android - V.Final.pptx
+++ b/Trabalho Final - Android - V.Final.pptx
@@ -17153,8 +17153,8 @@
         </p:nvSpPr>
         <p:spPr>
           <a:xfrm>
-            <a:off x="677334" y="609600"/>
-            <a:ext cx="8596668" cy="1320800"/>
+            <a:off x="677325" y="609600"/>
+            <a:ext cx="8596800" cy="1033800"/>
           </a:xfrm>
           <a:prstGeom prst="rect">
             <a:avLst/>
@@ -17308,7 +17308,7 @@
         </p:blipFill>
         <p:spPr>
           <a:xfrm>
-            <a:off x="8540352" y="1111000"/>
+            <a:off x="8837977" y="1111000"/>
             <a:ext cx="2613199" cy="4636009"/>
           </a:xfrm>
           <a:prstGeom prst="rect">
